--- a/專題報告/24_10_21_進度報告.pptx
+++ b/專題報告/24_10_21_進度報告.pptx
@@ -11,6 +11,8 @@
     <p:sldId id="261" r:id="rId5"/>
     <p:sldId id="258" r:id="rId6"/>
     <p:sldId id="259" r:id="rId7"/>
+    <p:sldId id="262" r:id="rId8"/>
+    <p:sldId id="263" r:id="rId9"/>
   </p:sldIdLst>
   <p:sldSz cx="9144000" cy="6858000" type="screen4x3"/>
   <p:notesSz cx="6858000" cy="9144000"/>
@@ -109,6 +111,11 @@
       </a:defRPr>
     </a:lvl9pPr>
   </p:defaultTextStyle>
+  <p:extLst>
+    <p:ext uri="{EFAFB233-063F-42B5-8137-9DF3F51BA10A}">
+      <p15:sldGuideLst xmlns:p15="http://schemas.microsoft.com/office/powerpoint/2012/main"/>
+    </p:ext>
+  </p:extLst>
 </p:presentation>
 </file>
 
@@ -318,7 +325,7 @@
           <a:p>
             <a:fld id="{004F7E22-5045-4C63-8801-834B9132CB90}" type="datetimeFigureOut">
               <a:rPr lang="zh-TW" altLang="en-US" smtClean="0"/>
-              <a:t>2024/10/21</a:t>
+              <a:t>2024/10/23</a:t>
             </a:fld>
             <a:endParaRPr lang="zh-TW" altLang="en-US"/>
           </a:p>
@@ -488,7 +495,7 @@
           <a:p>
             <a:fld id="{004F7E22-5045-4C63-8801-834B9132CB90}" type="datetimeFigureOut">
               <a:rPr lang="zh-TW" altLang="en-US" smtClean="0"/>
-              <a:t>2024/10/21</a:t>
+              <a:t>2024/10/23</a:t>
             </a:fld>
             <a:endParaRPr lang="zh-TW" altLang="en-US"/>
           </a:p>
@@ -668,7 +675,7 @@
           <a:p>
             <a:fld id="{004F7E22-5045-4C63-8801-834B9132CB90}" type="datetimeFigureOut">
               <a:rPr lang="zh-TW" altLang="en-US" smtClean="0"/>
-              <a:t>2024/10/21</a:t>
+              <a:t>2024/10/23</a:t>
             </a:fld>
             <a:endParaRPr lang="zh-TW" altLang="en-US"/>
           </a:p>
@@ -838,7 +845,7 @@
           <a:p>
             <a:fld id="{004F7E22-5045-4C63-8801-834B9132CB90}" type="datetimeFigureOut">
               <a:rPr lang="zh-TW" altLang="en-US" smtClean="0"/>
-              <a:t>2024/10/21</a:t>
+              <a:t>2024/10/23</a:t>
             </a:fld>
             <a:endParaRPr lang="zh-TW" altLang="en-US"/>
           </a:p>
@@ -1084,7 +1091,7 @@
           <a:p>
             <a:fld id="{004F7E22-5045-4C63-8801-834B9132CB90}" type="datetimeFigureOut">
               <a:rPr lang="zh-TW" altLang="en-US" smtClean="0"/>
-              <a:t>2024/10/21</a:t>
+              <a:t>2024/10/23</a:t>
             </a:fld>
             <a:endParaRPr lang="zh-TW" altLang="en-US"/>
           </a:p>
@@ -1316,7 +1323,7 @@
           <a:p>
             <a:fld id="{004F7E22-5045-4C63-8801-834B9132CB90}" type="datetimeFigureOut">
               <a:rPr lang="zh-TW" altLang="en-US" smtClean="0"/>
-              <a:t>2024/10/21</a:t>
+              <a:t>2024/10/23</a:t>
             </a:fld>
             <a:endParaRPr lang="zh-TW" altLang="en-US"/>
           </a:p>
@@ -1683,7 +1690,7 @@
           <a:p>
             <a:fld id="{004F7E22-5045-4C63-8801-834B9132CB90}" type="datetimeFigureOut">
               <a:rPr lang="zh-TW" altLang="en-US" smtClean="0"/>
-              <a:t>2024/10/21</a:t>
+              <a:t>2024/10/23</a:t>
             </a:fld>
             <a:endParaRPr lang="zh-TW" altLang="en-US"/>
           </a:p>
@@ -1801,7 +1808,7 @@
           <a:p>
             <a:fld id="{004F7E22-5045-4C63-8801-834B9132CB90}" type="datetimeFigureOut">
               <a:rPr lang="zh-TW" altLang="en-US" smtClean="0"/>
-              <a:t>2024/10/21</a:t>
+              <a:t>2024/10/23</a:t>
             </a:fld>
             <a:endParaRPr lang="zh-TW" altLang="en-US"/>
           </a:p>
@@ -1896,7 +1903,7 @@
           <a:p>
             <a:fld id="{004F7E22-5045-4C63-8801-834B9132CB90}" type="datetimeFigureOut">
               <a:rPr lang="zh-TW" altLang="en-US" smtClean="0"/>
-              <a:t>2024/10/21</a:t>
+              <a:t>2024/10/23</a:t>
             </a:fld>
             <a:endParaRPr lang="zh-TW" altLang="en-US"/>
           </a:p>
@@ -2173,7 +2180,7 @@
           <a:p>
             <a:fld id="{004F7E22-5045-4C63-8801-834B9132CB90}" type="datetimeFigureOut">
               <a:rPr lang="zh-TW" altLang="en-US" smtClean="0"/>
-              <a:t>2024/10/21</a:t>
+              <a:t>2024/10/23</a:t>
             </a:fld>
             <a:endParaRPr lang="zh-TW" altLang="en-US"/>
           </a:p>
@@ -2430,7 +2437,7 @@
           <a:p>
             <a:fld id="{004F7E22-5045-4C63-8801-834B9132CB90}" type="datetimeFigureOut">
               <a:rPr lang="zh-TW" altLang="en-US" smtClean="0"/>
-              <a:t>2024/10/21</a:t>
+              <a:t>2024/10/23</a:t>
             </a:fld>
             <a:endParaRPr lang="zh-TW" altLang="en-US"/>
           </a:p>
@@ -2643,7 +2650,7 @@
           <a:p>
             <a:fld id="{004F7E22-5045-4C63-8801-834B9132CB90}" type="datetimeFigureOut">
               <a:rPr lang="zh-TW" altLang="en-US" smtClean="0"/>
-              <a:t>2024/10/21</a:t>
+              <a:t>2024/10/23</a:t>
             </a:fld>
             <a:endParaRPr lang="zh-TW" altLang="en-US"/>
           </a:p>
@@ -3673,8 +3680,8 @@
           </a:prstGeom>
         </p:spPr>
       </p:pic>
-      <mc:AlternateContent xmlns:mc="http://schemas.openxmlformats.org/markup-compatibility/2006">
-        <mc:Choice xmlns:a14="http://schemas.microsoft.com/office/drawing/2010/main" Requires="a14">
+      <mc:AlternateContent xmlns:mc="http://schemas.openxmlformats.org/markup-compatibility/2006" xmlns:a14="http://schemas.microsoft.com/office/drawing/2010/main">
+        <mc:Choice Requires="a14">
           <p:sp>
             <p:nvSpPr>
               <p:cNvPr id="13" name="文字方塊 12">
@@ -3792,7 +3799,7 @@
             </p:txBody>
           </p:sp>
         </mc:Choice>
-        <mc:Fallback>
+        <mc:Fallback xmlns="">
           <p:sp>
             <p:nvSpPr>
               <p:cNvPr id="13" name="文字方塊 12">
@@ -3949,6 +3956,294 @@
     <p:extLst>
       <p:ext uri="{BB962C8B-B14F-4D97-AF65-F5344CB8AC3E}">
         <p14:creationId xmlns:p14="http://schemas.microsoft.com/office/powerpoint/2010/main" val="2967685702"/>
+      </p:ext>
+    </p:extLst>
+  </p:cSld>
+  <p:clrMapOvr>
+    <a:masterClrMapping/>
+  </p:clrMapOvr>
+</p:sld>
+</file>
+
+<file path=ppt/slides/slide7.xml><?xml version="1.0" encoding="utf-8"?>
+<p:sld xmlns:a="http://schemas.openxmlformats.org/drawingml/2006/main" xmlns:r="http://schemas.openxmlformats.org/officeDocument/2006/relationships" xmlns:p="http://schemas.openxmlformats.org/presentationml/2006/main">
+  <p:cSld>
+    <p:spTree>
+      <p:nvGrpSpPr>
+        <p:cNvPr id="1" name=""/>
+        <p:cNvGrpSpPr/>
+        <p:nvPr/>
+      </p:nvGrpSpPr>
+      <p:grpSpPr>
+        <a:xfrm>
+          <a:off x="0" y="0"/>
+          <a:ext cx="0" cy="0"/>
+          <a:chOff x="0" y="0"/>
+          <a:chExt cx="0" cy="0"/>
+        </a:xfrm>
+      </p:grpSpPr>
+      <p:sp>
+        <p:nvSpPr>
+          <p:cNvPr id="2" name="標題 1">
+            <a:extLst>
+              <a:ext uri="{FF2B5EF4-FFF2-40B4-BE49-F238E27FC236}">
+                <a16:creationId xmlns:a16="http://schemas.microsoft.com/office/drawing/2014/main" id="{41660EA5-5E97-492F-9895-F00C42A748EF}"/>
+              </a:ext>
+            </a:extLst>
+          </p:cNvPr>
+          <p:cNvSpPr>
+            <a:spLocks noGrp="1"/>
+          </p:cNvSpPr>
+          <p:nvPr>
+            <p:ph type="title"/>
+          </p:nvPr>
+        </p:nvSpPr>
+        <p:spPr/>
+        <p:txBody>
+          <a:bodyPr/>
+          <a:lstStyle/>
+          <a:p>
+            <a:endParaRPr lang="zh-TW" altLang="en-US"/>
+          </a:p>
+        </p:txBody>
+      </p:sp>
+      <p:pic>
+        <p:nvPicPr>
+          <p:cNvPr id="5" name="內容版面配置區 4">
+            <a:extLst>
+              <a:ext uri="{FF2B5EF4-FFF2-40B4-BE49-F238E27FC236}">
+                <a16:creationId xmlns:a16="http://schemas.microsoft.com/office/drawing/2014/main" id="{19C787BA-7F0A-8644-191E-FF02747BC1B6}"/>
+              </a:ext>
+            </a:extLst>
+          </p:cNvPr>
+          <p:cNvPicPr>
+            <a:picLocks noGrp="1" noChangeAspect="1"/>
+          </p:cNvPicPr>
+          <p:nvPr>
+            <p:ph idx="1"/>
+          </p:nvPr>
+        </p:nvPicPr>
+        <p:blipFill>
+          <a:blip r:embed="rId2"/>
+          <a:stretch>
+            <a:fillRect/>
+          </a:stretch>
+        </p:blipFill>
+        <p:spPr>
+          <a:xfrm>
+            <a:off x="337547" y="2226906"/>
+            <a:ext cx="5614203" cy="893471"/>
+          </a:xfrm>
+        </p:spPr>
+      </p:pic>
+      <p:pic>
+        <p:nvPicPr>
+          <p:cNvPr id="7" name="圖片 6">
+            <a:extLst>
+              <a:ext uri="{FF2B5EF4-FFF2-40B4-BE49-F238E27FC236}">
+                <a16:creationId xmlns:a16="http://schemas.microsoft.com/office/drawing/2014/main" id="{32EFC2BA-C91B-F8F2-2FBA-082F76175BF2}"/>
+              </a:ext>
+            </a:extLst>
+          </p:cNvPr>
+          <p:cNvPicPr>
+            <a:picLocks noChangeAspect="1"/>
+          </p:cNvPicPr>
+          <p:nvPr/>
+        </p:nvPicPr>
+        <p:blipFill>
+          <a:blip r:embed="rId3"/>
+          <a:stretch>
+            <a:fillRect/>
+          </a:stretch>
+        </p:blipFill>
+        <p:spPr>
+          <a:xfrm>
+            <a:off x="337547" y="4290277"/>
+            <a:ext cx="5772053" cy="954434"/>
+          </a:xfrm>
+          <a:prstGeom prst="rect">
+            <a:avLst/>
+          </a:prstGeom>
+        </p:spPr>
+      </p:pic>
+    </p:spTree>
+    <p:extLst>
+      <p:ext uri="{BB962C8B-B14F-4D97-AF65-F5344CB8AC3E}">
+        <p14:creationId xmlns:p14="http://schemas.microsoft.com/office/powerpoint/2010/main" val="230153517"/>
+      </p:ext>
+    </p:extLst>
+  </p:cSld>
+  <p:clrMapOvr>
+    <a:masterClrMapping/>
+  </p:clrMapOvr>
+</p:sld>
+</file>
+
+<file path=ppt/slides/slide8.xml><?xml version="1.0" encoding="utf-8"?>
+<p:sld xmlns:a="http://schemas.openxmlformats.org/drawingml/2006/main" xmlns:r="http://schemas.openxmlformats.org/officeDocument/2006/relationships" xmlns:p="http://schemas.openxmlformats.org/presentationml/2006/main">
+  <p:cSld>
+    <p:spTree>
+      <p:nvGrpSpPr>
+        <p:cNvPr id="1" name=""/>
+        <p:cNvGrpSpPr/>
+        <p:nvPr/>
+      </p:nvGrpSpPr>
+      <p:grpSpPr>
+        <a:xfrm>
+          <a:off x="0" y="0"/>
+          <a:ext cx="0" cy="0"/>
+          <a:chOff x="0" y="0"/>
+          <a:chExt cx="0" cy="0"/>
+        </a:xfrm>
+      </p:grpSpPr>
+      <p:sp>
+        <p:nvSpPr>
+          <p:cNvPr id="2" name="標題 1">
+            <a:extLst>
+              <a:ext uri="{FF2B5EF4-FFF2-40B4-BE49-F238E27FC236}">
+                <a16:creationId xmlns:a16="http://schemas.microsoft.com/office/drawing/2014/main" id="{135DAFAF-4AC6-5A87-BC12-4738D4796FD5}"/>
+              </a:ext>
+            </a:extLst>
+          </p:cNvPr>
+          <p:cNvSpPr>
+            <a:spLocks noGrp="1"/>
+          </p:cNvSpPr>
+          <p:nvPr>
+            <p:ph type="title"/>
+          </p:nvPr>
+        </p:nvSpPr>
+        <p:spPr/>
+        <p:txBody>
+          <a:bodyPr/>
+          <a:lstStyle/>
+          <a:p>
+            <a:endParaRPr lang="zh-TW" altLang="en-US"/>
+          </a:p>
+        </p:txBody>
+      </p:sp>
+      <p:pic>
+        <p:nvPicPr>
+          <p:cNvPr id="5" name="內容版面配置區 4">
+            <a:extLst>
+              <a:ext uri="{FF2B5EF4-FFF2-40B4-BE49-F238E27FC236}">
+                <a16:creationId xmlns:a16="http://schemas.microsoft.com/office/drawing/2014/main" id="{3AFEE686-9517-F485-1DE3-93336C25CD0C}"/>
+              </a:ext>
+            </a:extLst>
+          </p:cNvPr>
+          <p:cNvPicPr>
+            <a:picLocks noGrp="1" noChangeAspect="1"/>
+          </p:cNvPicPr>
+          <p:nvPr>
+            <p:ph idx="1"/>
+          </p:nvPr>
+        </p:nvPicPr>
+        <p:blipFill>
+          <a:blip r:embed="rId2"/>
+          <a:stretch>
+            <a:fillRect/>
+          </a:stretch>
+        </p:blipFill>
+        <p:spPr>
+          <a:xfrm>
+            <a:off x="628650" y="1889125"/>
+            <a:ext cx="4411926" cy="4351338"/>
+          </a:xfrm>
+        </p:spPr>
+      </p:pic>
+      <p:pic>
+        <p:nvPicPr>
+          <p:cNvPr id="7" name="圖片 6">
+            <a:extLst>
+              <a:ext uri="{FF2B5EF4-FFF2-40B4-BE49-F238E27FC236}">
+                <a16:creationId xmlns:a16="http://schemas.microsoft.com/office/drawing/2014/main" id="{B1EE07FF-6FDD-5894-EA03-B7D6D1AE55D9}"/>
+              </a:ext>
+            </a:extLst>
+          </p:cNvPr>
+          <p:cNvPicPr>
+            <a:picLocks noChangeAspect="1"/>
+          </p:cNvPicPr>
+          <p:nvPr/>
+        </p:nvPicPr>
+        <p:blipFill>
+          <a:blip r:embed="rId3"/>
+          <a:stretch>
+            <a:fillRect/>
+          </a:stretch>
+        </p:blipFill>
+        <p:spPr>
+          <a:xfrm>
+            <a:off x="5168336" y="1968455"/>
+            <a:ext cx="3594664" cy="576502"/>
+          </a:xfrm>
+          <a:prstGeom prst="rect">
+            <a:avLst/>
+          </a:prstGeom>
+        </p:spPr>
+      </p:pic>
+      <p:pic>
+        <p:nvPicPr>
+          <p:cNvPr id="9" name="圖片 8">
+            <a:extLst>
+              <a:ext uri="{FF2B5EF4-FFF2-40B4-BE49-F238E27FC236}">
+                <a16:creationId xmlns:a16="http://schemas.microsoft.com/office/drawing/2014/main" id="{17C62A31-8843-A4D6-27C7-B85C7B4B21A8}"/>
+              </a:ext>
+            </a:extLst>
+          </p:cNvPr>
+          <p:cNvPicPr>
+            <a:picLocks noChangeAspect="1"/>
+          </p:cNvPicPr>
+          <p:nvPr/>
+        </p:nvPicPr>
+        <p:blipFill>
+          <a:blip r:embed="rId4"/>
+          <a:stretch>
+            <a:fillRect/>
+          </a:stretch>
+        </p:blipFill>
+        <p:spPr>
+          <a:xfrm>
+            <a:off x="5040576" y="2926264"/>
+            <a:ext cx="4045408" cy="1005472"/>
+          </a:xfrm>
+          <a:prstGeom prst="rect">
+            <a:avLst/>
+          </a:prstGeom>
+        </p:spPr>
+      </p:pic>
+      <p:pic>
+        <p:nvPicPr>
+          <p:cNvPr id="11" name="圖片 10">
+            <a:extLst>
+              <a:ext uri="{FF2B5EF4-FFF2-40B4-BE49-F238E27FC236}">
+                <a16:creationId xmlns:a16="http://schemas.microsoft.com/office/drawing/2014/main" id="{0DA81972-ABCE-2699-DF19-F18417513EA7}"/>
+              </a:ext>
+            </a:extLst>
+          </p:cNvPr>
+          <p:cNvPicPr>
+            <a:picLocks noChangeAspect="1"/>
+          </p:cNvPicPr>
+          <p:nvPr/>
+        </p:nvPicPr>
+        <p:blipFill>
+          <a:blip r:embed="rId5"/>
+          <a:stretch>
+            <a:fillRect/>
+          </a:stretch>
+        </p:blipFill>
+        <p:spPr>
+          <a:xfrm>
+            <a:off x="5168335" y="4470286"/>
+            <a:ext cx="3664515" cy="854421"/>
+          </a:xfrm>
+          <a:prstGeom prst="rect">
+            <a:avLst/>
+          </a:prstGeom>
+        </p:spPr>
+      </p:pic>
+    </p:spTree>
+    <p:extLst>
+      <p:ext uri="{BB962C8B-B14F-4D97-AF65-F5344CB8AC3E}">
+        <p14:creationId xmlns:p14="http://schemas.microsoft.com/office/powerpoint/2010/main" val="3229537077"/>
       </p:ext>
     </p:extLst>
   </p:cSld>
